--- a/oven.X/Microwave_Project_Internship_Presentation.pptx
+++ b/oven.X/Microwave_Project_Internship_Presentation.pptx
@@ -316,7 +316,7 @@
           <a:p>
             <a:fld id="{5BCAD085-E8A6-8845-BD4E-CB4CCA059FC4}" type="datetimeFigureOut">
               <a:rPr lang="en-US" smtClean="0"/>
-              <a:t>1/25/2026</a:t>
+              <a:t>1/30/2026</a:t>
             </a:fld>
             <a:endParaRPr lang="en-US"/>
           </a:p>
@@ -484,7 +484,7 @@
           <a:p>
             <a:fld id="{5BCAD085-E8A6-8845-BD4E-CB4CCA059FC4}" type="datetimeFigureOut">
               <a:rPr lang="en-US" smtClean="0"/>
-              <a:t>1/25/2026</a:t>
+              <a:t>1/30/2026</a:t>
             </a:fld>
             <a:endParaRPr lang="en-US"/>
           </a:p>
@@ -662,7 +662,7 @@
           <a:p>
             <a:fld id="{5BCAD085-E8A6-8845-BD4E-CB4CCA059FC4}" type="datetimeFigureOut">
               <a:rPr lang="en-US" smtClean="0"/>
-              <a:t>1/25/2026</a:t>
+              <a:t>1/30/2026</a:t>
             </a:fld>
             <a:endParaRPr lang="en-US"/>
           </a:p>
@@ -830,7 +830,7 @@
           <a:p>
             <a:fld id="{5BCAD085-E8A6-8845-BD4E-CB4CCA059FC4}" type="datetimeFigureOut">
               <a:rPr lang="en-US" smtClean="0"/>
-              <a:t>1/25/2026</a:t>
+              <a:t>1/30/2026</a:t>
             </a:fld>
             <a:endParaRPr lang="en-US"/>
           </a:p>
@@ -1075,7 +1075,7 @@
           <a:p>
             <a:fld id="{5BCAD085-E8A6-8845-BD4E-CB4CCA059FC4}" type="datetimeFigureOut">
               <a:rPr lang="en-US" smtClean="0"/>
-              <a:t>1/25/2026</a:t>
+              <a:t>1/30/2026</a:t>
             </a:fld>
             <a:endParaRPr lang="en-US"/>
           </a:p>
@@ -1360,7 +1360,7 @@
           <a:p>
             <a:fld id="{5BCAD085-E8A6-8845-BD4E-CB4CCA059FC4}" type="datetimeFigureOut">
               <a:rPr lang="en-US" smtClean="0"/>
-              <a:t>1/25/2026</a:t>
+              <a:t>1/30/2026</a:t>
             </a:fld>
             <a:endParaRPr lang="en-US"/>
           </a:p>
@@ -1779,7 +1779,7 @@
           <a:p>
             <a:fld id="{5BCAD085-E8A6-8845-BD4E-CB4CCA059FC4}" type="datetimeFigureOut">
               <a:rPr lang="en-US" smtClean="0"/>
-              <a:t>1/25/2026</a:t>
+              <a:t>1/30/2026</a:t>
             </a:fld>
             <a:endParaRPr lang="en-US"/>
           </a:p>
@@ -1896,7 +1896,7 @@
           <a:p>
             <a:fld id="{5BCAD085-E8A6-8845-BD4E-CB4CCA059FC4}" type="datetimeFigureOut">
               <a:rPr lang="en-US" smtClean="0"/>
-              <a:t>1/25/2026</a:t>
+              <a:t>1/30/2026</a:t>
             </a:fld>
             <a:endParaRPr lang="en-US"/>
           </a:p>
@@ -1991,7 +1991,7 @@
           <a:p>
             <a:fld id="{5BCAD085-E8A6-8845-BD4E-CB4CCA059FC4}" type="datetimeFigureOut">
               <a:rPr lang="en-US" smtClean="0"/>
-              <a:t>1/25/2026</a:t>
+              <a:t>1/30/2026</a:t>
             </a:fld>
             <a:endParaRPr lang="en-US"/>
           </a:p>
@@ -2266,7 +2266,7 @@
           <a:p>
             <a:fld id="{5BCAD085-E8A6-8845-BD4E-CB4CCA059FC4}" type="datetimeFigureOut">
               <a:rPr lang="en-US" smtClean="0"/>
-              <a:t>1/25/2026</a:t>
+              <a:t>1/30/2026</a:t>
             </a:fld>
             <a:endParaRPr lang="en-US"/>
           </a:p>
@@ -2518,7 +2518,7 @@
           <a:p>
             <a:fld id="{5BCAD085-E8A6-8845-BD4E-CB4CCA059FC4}" type="datetimeFigureOut">
               <a:rPr lang="en-US" smtClean="0"/>
-              <a:t>1/25/2026</a:t>
+              <a:t>1/30/2026</a:t>
             </a:fld>
             <a:endParaRPr lang="en-US"/>
           </a:p>
@@ -2729,7 +2729,7 @@
           <a:p>
             <a:fld id="{5BCAD085-E8A6-8845-BD4E-CB4CCA059FC4}" type="datetimeFigureOut">
               <a:rPr lang="en-US" smtClean="0"/>
-              <a:t>1/25/2026</a:t>
+              <a:t>1/30/2026</a:t>
             </a:fld>
             <a:endParaRPr lang="en-US"/>
           </a:p>
@@ -3227,7 +3227,7 @@
               <a:rPr lang="en-US" sz="2400" dirty="0">
                 <a:latin typeface="Consolas" panose="020B0609020204030204" pitchFamily="49" charset="0"/>
               </a:rPr>
-              <a:t>Sudhakar G</a:t>
+              <a:t>Pradeep S</a:t>
             </a:r>
           </a:p>
           <a:p>
